--- a/Slides/CSS3-Overview.pptx
+++ b/Slides/CSS3-Overview.pptx
@@ -5,7 +5,7 @@
     <p:sldMasterId id="2147483670" r:id="rId1"/>
   </p:sldMasterIdLst>
   <p:notesMasterIdLst>
-    <p:notesMasterId r:id="rId27"/>
+    <p:notesMasterId r:id="rId28"/>
   </p:notesMasterIdLst>
   <p:sldIdLst>
     <p:sldId id="395" r:id="rId2"/>
@@ -32,7 +32,8 @@
     <p:sldId id="289" r:id="rId23"/>
     <p:sldId id="290" r:id="rId24"/>
     <p:sldId id="291" r:id="rId25"/>
-    <p:sldId id="292" r:id="rId26"/>
+    <p:sldId id="511" r:id="rId26"/>
+    <p:sldId id="292" r:id="rId27"/>
   </p:sldIdLst>
   <p:sldSz cx="9144000" cy="5143500" type="screen16x9"/>
   <p:notesSz cx="6858000" cy="9144000"/>
@@ -232,7 +233,7 @@
           <a:p>
             <a:fld id="{46FB2EC9-EA7B-9440-9FFE-92A4AA7C1001}" type="datetimeFigureOut">
               <a:rPr lang="en-US" smtClean="0"/>
-              <a:t>4/26/18</a:t>
+              <a:t>4/30/18</a:t>
             </a:fld>
             <a:endParaRPr lang="en-US"/>
           </a:p>
@@ -7181,6 +7182,104 @@
 </file>
 
 <file path=ppt/slides/slide25.xml><?xml version="1.0" encoding="utf-8"?>
+<p:sld xmlns:a="http://schemas.openxmlformats.org/drawingml/2006/main" xmlns:r="http://schemas.openxmlformats.org/officeDocument/2006/relationships" xmlns:p="http://schemas.openxmlformats.org/presentationml/2006/main">
+  <p:cSld>
+    <p:spTree>
+      <p:nvGrpSpPr>
+        <p:cNvPr id="1" name=""/>
+        <p:cNvGrpSpPr/>
+        <p:nvPr/>
+      </p:nvGrpSpPr>
+      <p:grpSpPr>
+        <a:xfrm>
+          <a:off x="0" y="0"/>
+          <a:ext cx="0" cy="0"/>
+          <a:chOff x="0" y="0"/>
+          <a:chExt cx="0" cy="0"/>
+        </a:xfrm>
+      </p:grpSpPr>
+      <p:sp>
+        <p:nvSpPr>
+          <p:cNvPr id="2" name="Title 1">
+            <a:extLst>
+              <a:ext uri="{FF2B5EF4-FFF2-40B4-BE49-F238E27FC236}">
+                <a16:creationId xmlns:a16="http://schemas.microsoft.com/office/drawing/2014/main" id="{5BA558D7-DF0B-6947-9E43-3B8F70535BB1}"/>
+              </a:ext>
+            </a:extLst>
+          </p:cNvPr>
+          <p:cNvSpPr>
+            <a:spLocks noGrp="1"/>
+          </p:cNvSpPr>
+          <p:nvPr>
+            <p:ph type="title"/>
+          </p:nvPr>
+        </p:nvSpPr>
+        <p:spPr/>
+        <p:txBody>
+          <a:bodyPr/>
+          <a:lstStyle/>
+          <a:p>
+            <a:r>
+              <a:rPr lang="en-US" dirty="0"/>
+              <a:t>The Big Picture</a:t>
+            </a:r>
+          </a:p>
+        </p:txBody>
+      </p:sp>
+      <p:sp>
+        <p:nvSpPr>
+          <p:cNvPr id="3" name="Content Placeholder 2">
+            <a:extLst>
+              <a:ext uri="{FF2B5EF4-FFF2-40B4-BE49-F238E27FC236}">
+                <a16:creationId xmlns:a16="http://schemas.microsoft.com/office/drawing/2014/main" id="{B8433702-0C70-F144-A81F-29B14A54888C}"/>
+              </a:ext>
+            </a:extLst>
+          </p:cNvPr>
+          <p:cNvSpPr>
+            <a:spLocks noGrp="1"/>
+          </p:cNvSpPr>
+          <p:nvPr>
+            <p:ph idx="1"/>
+          </p:nvPr>
+        </p:nvSpPr>
+        <p:spPr/>
+        <p:txBody>
+          <a:bodyPr/>
+          <a:lstStyle/>
+          <a:p>
+            <a:r>
+              <a:rPr lang="en-US" dirty="0">
+                <a:hlinkClick r:id="rId2"/>
+              </a:rPr>
+              <a:t>http://www.csszengarden.com</a:t>
+            </a:r>
+            <a:r>
+              <a:rPr lang="en-US">
+                <a:hlinkClick r:id="rId2"/>
+              </a:rPr>
+              <a:t>/214/</a:t>
+            </a:r>
+            <a:endParaRPr lang="en-US"/>
+          </a:p>
+          <a:p>
+            <a:endParaRPr lang="en-US"/>
+          </a:p>
+        </p:txBody>
+      </p:sp>
+    </p:spTree>
+    <p:extLst>
+      <p:ext uri="{BB962C8B-B14F-4D97-AF65-F5344CB8AC3E}">
+        <p14:creationId xmlns:p14="http://schemas.microsoft.com/office/powerpoint/2010/main" val="1261616542"/>
+      </p:ext>
+    </p:extLst>
+  </p:cSld>
+  <p:clrMapOvr>
+    <a:masterClrMapping/>
+  </p:clrMapOvr>
+</p:sld>
+</file>
+
+<file path=ppt/slides/slide26.xml><?xml version="1.0" encoding="utf-8"?>
 <p:sld xmlns:a="http://schemas.openxmlformats.org/drawingml/2006/main" xmlns:r="http://schemas.openxmlformats.org/officeDocument/2006/relationships" xmlns:p="http://schemas.openxmlformats.org/presentationml/2006/main">
   <p:cSld>
     <p:spTree>
